--- a/git및github첫걸음2-원격저장소만들기 (1).pptx
+++ b/git및github첫걸음2-원격저장소만들기 (1).pptx
@@ -718,6 +718,90 @@
           <a:p>
             <a:fld id="{625D4AC4-540A-4436-887D-BF6A8FCF1275}" type="slidenum">
               <a:rPr lang="ko-KR" altLang="en-US" smtClean="0"/>
+              <a:t>41</a:t>
+            </a:fld>
+            <a:endParaRPr lang="ko-KR" altLang="en-US"/>
+          </a:p>
+        </p:txBody>
+      </p:sp>
+    </p:spTree>
+    <p:extLst>
+      <p:ext uri="{BB962C8B-B14F-4D97-AF65-F5344CB8AC3E}">
+        <p14:creationId xmlns:p14="http://schemas.microsoft.com/office/powerpoint/2010/main" val="873420243"/>
+      </p:ext>
+    </p:extLst>
+  </p:cSld>
+  <p:clrMapOvr>
+    <a:masterClrMapping/>
+  </p:clrMapOvr>
+</p:notes>
+</file>
+
+<file path=ppt/notesSlides/notesSlide11.xml><?xml version="1.0" encoding="utf-8"?>
+<p:notes xmlns:a="http://schemas.openxmlformats.org/drawingml/2006/main" xmlns:r="http://schemas.openxmlformats.org/officeDocument/2006/relationships" xmlns:p="http://schemas.openxmlformats.org/presentationml/2006/main">
+  <p:cSld>
+    <p:spTree>
+      <p:nvGrpSpPr>
+        <p:cNvPr id="1" name=""/>
+        <p:cNvGrpSpPr/>
+        <p:nvPr/>
+      </p:nvGrpSpPr>
+      <p:grpSpPr>
+        <a:xfrm>
+          <a:off x="0" y="0"/>
+          <a:ext cx="0" cy="0"/>
+          <a:chOff x="0" y="0"/>
+          <a:chExt cx="0" cy="0"/>
+        </a:xfrm>
+      </p:grpSpPr>
+      <p:sp>
+        <p:nvSpPr>
+          <p:cNvPr id="2" name="슬라이드 이미지 개체 틀 1"/>
+          <p:cNvSpPr>
+            <a:spLocks noGrp="1" noRot="1" noChangeAspect="1"/>
+          </p:cNvSpPr>
+          <p:nvPr>
+            <p:ph type="sldImg"/>
+          </p:nvPr>
+        </p:nvSpPr>
+        <p:spPr/>
+      </p:sp>
+      <p:sp>
+        <p:nvSpPr>
+          <p:cNvPr id="3" name="슬라이드 노트 개체 틀 2"/>
+          <p:cNvSpPr>
+            <a:spLocks noGrp="1"/>
+          </p:cNvSpPr>
+          <p:nvPr>
+            <p:ph type="body" idx="1"/>
+          </p:nvPr>
+        </p:nvSpPr>
+        <p:spPr/>
+        <p:txBody>
+          <a:bodyPr/>
+          <a:lstStyle/>
+          <a:p>
+            <a:endParaRPr lang="ko-KR" altLang="en-US" dirty="0"/>
+          </a:p>
+        </p:txBody>
+      </p:sp>
+      <p:sp>
+        <p:nvSpPr>
+          <p:cNvPr id="4" name="슬라이드 번호 개체 틀 3"/>
+          <p:cNvSpPr>
+            <a:spLocks noGrp="1"/>
+          </p:cNvSpPr>
+          <p:nvPr>
+            <p:ph type="sldNum" sz="quarter" idx="5"/>
+          </p:nvPr>
+        </p:nvSpPr>
+        <p:spPr/>
+        <p:txBody>
+          <a:bodyPr/>
+          <a:lstStyle/>
+          <a:p>
+            <a:fld id="{625D4AC4-540A-4436-887D-BF6A8FCF1275}" type="slidenum">
+              <a:rPr lang="ko-KR" altLang="en-US" smtClean="0"/>
               <a:t>42</a:t>
             </a:fld>
             <a:endParaRPr lang="ko-KR" altLang="en-US"/>
@@ -1235,10 +1319,86 @@
           <a:bodyPr/>
           <a:lstStyle/>
           <a:p>
-            <a:r>
-              <a:rPr lang="ko-KR" altLang="en-US" dirty="0"/>
-              <a:t>다음 시간 실습을 위하여 각자의 이름으로 저장소명 작성</a:t>
-            </a:r>
+            <a:pPr marL="0" marR="0" lvl="0" indent="0" algn="l" defTabSz="914400" rtl="0" eaLnBrk="1" fontAlgn="auto" latinLnBrk="1" hangingPunct="1">
+              <a:lnSpc>
+                <a:spcPct val="100000"/>
+              </a:lnSpc>
+              <a:spcBef>
+                <a:spcPts val="0"/>
+              </a:spcBef>
+              <a:spcAft>
+                <a:spcPts val="0"/>
+              </a:spcAft>
+              <a:buClrTx/>
+              <a:buSzTx/>
+              <a:buFontTx/>
+              <a:buNone/>
+              <a:tabLst/>
+              <a:defRPr/>
+            </a:pPr>
+            <a:r>
+              <a:rPr lang="en-US" altLang="ko-KR" dirty="0">
+                <a:latin typeface="+mn-ea"/>
+              </a:rPr>
+              <a:t>(</a:t>
+            </a:r>
+            <a:r>
+              <a:rPr lang="ko-KR" altLang="en-US" dirty="0" err="1">
+                <a:latin typeface="+mn-ea"/>
+              </a:rPr>
+              <a:t>브랜치를</a:t>
+            </a:r>
+            <a:r>
+              <a:rPr lang="ko-KR" altLang="en-US" dirty="0">
+                <a:latin typeface="+mn-ea"/>
+              </a:rPr>
+              <a:t> 이동하지 않고 </a:t>
+            </a:r>
+            <a:r>
+              <a:rPr lang="en-US" altLang="ko-KR" dirty="0">
+                <a:latin typeface="+mn-ea"/>
+              </a:rPr>
+              <a:t>push -u origin</a:t>
+            </a:r>
+            <a:r>
+              <a:rPr lang="ko-KR" altLang="en-US" dirty="0">
+                <a:latin typeface="+mn-ea"/>
+              </a:rPr>
+              <a:t> </a:t>
+            </a:r>
+            <a:r>
+              <a:rPr lang="en-US" altLang="ko-KR" dirty="0">
+                <a:latin typeface="+mn-ea"/>
+              </a:rPr>
+              <a:t>feature-1 </a:t>
+            </a:r>
+            <a:r>
+              <a:rPr lang="ko-KR" altLang="en-US" dirty="0">
+                <a:latin typeface="+mn-ea"/>
+              </a:rPr>
+              <a:t>을 수행해도 되나 확실하게 하기 위하여 해당 </a:t>
+            </a:r>
+            <a:r>
+              <a:rPr lang="ko-KR" altLang="en-US" dirty="0" err="1">
+                <a:latin typeface="+mn-ea"/>
+              </a:rPr>
+              <a:t>브랜치에서</a:t>
+            </a:r>
+            <a:r>
+              <a:rPr lang="ko-KR" altLang="en-US" dirty="0">
+                <a:latin typeface="+mn-ea"/>
+              </a:rPr>
+              <a:t> 수행하는 버릇을 들여야 함</a:t>
+            </a:r>
+            <a:r>
+              <a:rPr lang="en-US" altLang="ko-KR" dirty="0">
+                <a:latin typeface="+mn-ea"/>
+              </a:rPr>
+              <a:t>.</a:t>
+            </a:r>
+          </a:p>
+          <a:p>
+            <a:endParaRPr lang="ko-KR" altLang="en-US" dirty="0"/>
           </a:p>
         </p:txBody>
       </p:sp>
@@ -1259,7 +1419,7 @@
           <a:p>
             <a:fld id="{625D4AC4-540A-4436-887D-BF6A8FCF1275}" type="slidenum">
               <a:rPr lang="ko-KR" altLang="en-US" smtClean="0"/>
-              <a:t>36</a:t>
+              <a:t>34</a:t>
             </a:fld>
             <a:endParaRPr lang="ko-KR" altLang="en-US"/>
           </a:p>
@@ -1268,7 +1428,7 @@
     </p:spTree>
     <p:extLst>
       <p:ext uri="{BB962C8B-B14F-4D97-AF65-F5344CB8AC3E}">
-        <p14:creationId xmlns:p14="http://schemas.microsoft.com/office/powerpoint/2010/main" val="347524560"/>
+        <p14:creationId xmlns:p14="http://schemas.microsoft.com/office/powerpoint/2010/main" val="114556650"/>
       </p:ext>
     </p:extLst>
   </p:cSld>
@@ -1322,7 +1482,10 @@
           <a:bodyPr/>
           <a:lstStyle/>
           <a:p>
-            <a:endParaRPr lang="ko-KR" altLang="en-US" dirty="0"/>
+            <a:r>
+              <a:rPr lang="ko-KR" altLang="en-US" dirty="0"/>
+              <a:t>다음 시간 실습을 위하여 각자의 이름으로 저장소명 작성</a:t>
+            </a:r>
           </a:p>
         </p:txBody>
       </p:sp>
@@ -1343,7 +1506,7 @@
           <a:p>
             <a:fld id="{625D4AC4-540A-4436-887D-BF6A8FCF1275}" type="slidenum">
               <a:rPr lang="ko-KR" altLang="en-US" smtClean="0"/>
-              <a:t>37</a:t>
+              <a:t>36</a:t>
             </a:fld>
             <a:endParaRPr lang="ko-KR" altLang="en-US"/>
           </a:p>
@@ -1352,7 +1515,7 @@
     </p:spTree>
     <p:extLst>
       <p:ext uri="{BB962C8B-B14F-4D97-AF65-F5344CB8AC3E}">
-        <p14:creationId xmlns:p14="http://schemas.microsoft.com/office/powerpoint/2010/main" val="3082882597"/>
+        <p14:creationId xmlns:p14="http://schemas.microsoft.com/office/powerpoint/2010/main" val="347524560"/>
       </p:ext>
     </p:extLst>
   </p:cSld>
@@ -1406,32 +1569,6 @@
           <a:bodyPr/>
           <a:lstStyle/>
           <a:p>
-            <a:r>
-              <a:rPr lang="ko-KR" altLang="en-US" dirty="0"/>
-              <a:t>집에서 작업한 것을 잊고 그냥 작업을 했을 경우 원격저장소의 내용과 상이할 경우 발생</a:t>
-            </a:r>
-            <a:r>
-              <a:rPr lang="en-US" altLang="ko-KR" dirty="0"/>
-              <a:t>.</a:t>
-            </a:r>
-          </a:p>
-          <a:p>
-            <a:r>
-              <a:rPr lang="ko-KR" altLang="en-US" dirty="0"/>
-              <a:t>따라서 항상 </a:t>
-            </a:r>
-            <a:r>
-              <a:rPr lang="en-US" altLang="ko-KR" dirty="0"/>
-              <a:t>pull </a:t>
-            </a:r>
-            <a:r>
-              <a:rPr lang="ko-KR" altLang="en-US" dirty="0"/>
-              <a:t>먼저 실시해야 함</a:t>
-            </a:r>
-            <a:r>
-              <a:rPr lang="en-US" altLang="ko-KR" dirty="0"/>
-              <a:t>.</a:t>
-            </a:r>
             <a:endParaRPr lang="ko-KR" altLang="en-US" dirty="0"/>
           </a:p>
         </p:txBody>
@@ -1453,7 +1590,7 @@
           <a:p>
             <a:fld id="{625D4AC4-540A-4436-887D-BF6A8FCF1275}" type="slidenum">
               <a:rPr lang="ko-KR" altLang="en-US" smtClean="0"/>
-              <a:t>39</a:t>
+              <a:t>37</a:t>
             </a:fld>
             <a:endParaRPr lang="ko-KR" altLang="en-US"/>
           </a:p>
@@ -1462,7 +1599,7 @@
     </p:spTree>
     <p:extLst>
       <p:ext uri="{BB962C8B-B14F-4D97-AF65-F5344CB8AC3E}">
-        <p14:creationId xmlns:p14="http://schemas.microsoft.com/office/powerpoint/2010/main" val="4026611260"/>
+        <p14:creationId xmlns:p14="http://schemas.microsoft.com/office/powerpoint/2010/main" val="3082882597"/>
       </p:ext>
     </p:extLst>
   </p:cSld>
@@ -1516,6 +1653,32 @@
           <a:bodyPr/>
           <a:lstStyle/>
           <a:p>
+            <a:r>
+              <a:rPr lang="ko-KR" altLang="en-US" dirty="0"/>
+              <a:t>집에서 작업한 것을 잊고 그냥 작업을 했을 경우 원격저장소의 내용과 상이할 경우 발생</a:t>
+            </a:r>
+            <a:r>
+              <a:rPr lang="en-US" altLang="ko-KR" dirty="0"/>
+              <a:t>.</a:t>
+            </a:r>
+          </a:p>
+          <a:p>
+            <a:r>
+              <a:rPr lang="ko-KR" altLang="en-US" dirty="0"/>
+              <a:t>따라서 항상 </a:t>
+            </a:r>
+            <a:r>
+              <a:rPr lang="en-US" altLang="ko-KR" dirty="0"/>
+              <a:t>pull </a:t>
+            </a:r>
+            <a:r>
+              <a:rPr lang="ko-KR" altLang="en-US" dirty="0"/>
+              <a:t>먼저 실시해야 함</a:t>
+            </a:r>
+            <a:r>
+              <a:rPr lang="en-US" altLang="ko-KR" dirty="0"/>
+              <a:t>.</a:t>
+            </a:r>
             <a:endParaRPr lang="ko-KR" altLang="en-US" dirty="0"/>
           </a:p>
         </p:txBody>
@@ -1537,7 +1700,7 @@
           <a:p>
             <a:fld id="{625D4AC4-540A-4436-887D-BF6A8FCF1275}" type="slidenum">
               <a:rPr lang="ko-KR" altLang="en-US" smtClean="0"/>
-              <a:t>40</a:t>
+              <a:t>39</a:t>
             </a:fld>
             <a:endParaRPr lang="ko-KR" altLang="en-US"/>
           </a:p>
@@ -1546,7 +1709,7 @@
     </p:spTree>
     <p:extLst>
       <p:ext uri="{BB962C8B-B14F-4D97-AF65-F5344CB8AC3E}">
-        <p14:creationId xmlns:p14="http://schemas.microsoft.com/office/powerpoint/2010/main" val="2765970928"/>
+        <p14:creationId xmlns:p14="http://schemas.microsoft.com/office/powerpoint/2010/main" val="4026611260"/>
       </p:ext>
     </p:extLst>
   </p:cSld>
@@ -1621,7 +1784,7 @@
           <a:p>
             <a:fld id="{625D4AC4-540A-4436-887D-BF6A8FCF1275}" type="slidenum">
               <a:rPr lang="ko-KR" altLang="en-US" smtClean="0"/>
-              <a:t>41</a:t>
+              <a:t>40</a:t>
             </a:fld>
             <a:endParaRPr lang="ko-KR" altLang="en-US"/>
           </a:p>
@@ -1630,7 +1793,7 @@
     </p:spTree>
     <p:extLst>
       <p:ext uri="{BB962C8B-B14F-4D97-AF65-F5344CB8AC3E}">
-        <p14:creationId xmlns:p14="http://schemas.microsoft.com/office/powerpoint/2010/main" val="873420243"/>
+        <p14:creationId xmlns:p14="http://schemas.microsoft.com/office/powerpoint/2010/main" val="2765970928"/>
       </p:ext>
     </p:extLst>
   </p:cSld>
@@ -13233,8 +13396,8 @@
         </p:nvSpPr>
         <p:spPr>
           <a:xfrm>
-            <a:off x="5347672" y="5927715"/>
-            <a:ext cx="3928526" cy="307777"/>
+            <a:off x="5146036" y="5927715"/>
+            <a:ext cx="4036378" cy="307777"/>
           </a:xfrm>
           <a:prstGeom prst="rect">
             <a:avLst/>
@@ -13275,7 +13438,7 @@
               <a:rPr lang="en-US" altLang="ko-KR" sz="1400" dirty="0">
                 <a:latin typeface="+mn-ea"/>
               </a:rPr>
-              <a:t>$ git –branches –</a:t>
+              <a:t>$ git --branches --</a:t>
             </a:r>
             <a:r>
               <a:rPr lang="en-US" altLang="ko-KR" sz="1400" dirty="0" err="1">
@@ -13287,7 +13450,7 @@
               <a:rPr lang="en-US" altLang="ko-KR" sz="1400" dirty="0">
                 <a:latin typeface="+mn-ea"/>
               </a:rPr>
-              <a:t> –graph </a:t>
+              <a:t>  --graph </a:t>
             </a:r>
             <a:r>
               <a:rPr lang="ko-KR" altLang="en-US" sz="1400" dirty="0">
@@ -13313,7 +13476,7 @@
         </p:nvSpPr>
         <p:spPr>
           <a:xfrm>
-            <a:off x="1004968" y="5927715"/>
+            <a:off x="840846" y="5927715"/>
             <a:ext cx="3320451" cy="307777"/>
           </a:xfrm>
           <a:prstGeom prst="rect">
@@ -14007,8 +14170,8 @@
         </p:nvSpPr>
         <p:spPr>
           <a:xfrm>
-            <a:off x="341787" y="1120544"/>
-            <a:ext cx="8642350" cy="3153505"/>
+            <a:off x="341786" y="1120544"/>
+            <a:ext cx="8802213" cy="3153505"/>
           </a:xfrm>
           <a:prstGeom prst="rect">
             <a:avLst/>
@@ -14310,7 +14473,25 @@
               <a:rPr lang="en-US" altLang="ko-KR" dirty="0">
                 <a:latin typeface="+mn-ea"/>
               </a:rPr>
-              <a:t>push</a:t>
+              <a:t>push ( </a:t>
+            </a:r>
+            <a:r>
+              <a:rPr lang="ko-KR" altLang="en-US" dirty="0" err="1">
+                <a:latin typeface="+mn-ea"/>
+              </a:rPr>
+              <a:t>브랜치를</a:t>
+            </a:r>
+            <a:r>
+              <a:rPr lang="ko-KR" altLang="en-US" dirty="0">
+                <a:latin typeface="+mn-ea"/>
+              </a:rPr>
+              <a:t> 이동하지 않고 아래 명령을 수행해도 되나 확실하게 하기 위함</a:t>
+            </a:r>
+            <a:r>
+              <a:rPr lang="en-US" altLang="ko-KR" dirty="0">
+                <a:latin typeface="+mn-ea"/>
+              </a:rPr>
+              <a:t>)</a:t>
             </a:r>
           </a:p>
           <a:p>
@@ -14493,7 +14674,7 @@
           <p:nvPr/>
         </p:nvPicPr>
         <p:blipFill>
-          <a:blip r:embed="rId2"/>
+          <a:blip r:embed="rId3"/>
           <a:stretch>
             <a:fillRect/>
           </a:stretch>
@@ -15986,7 +16167,7 @@
             <a:r>
               <a:rPr lang="ko-KR" altLang="en-US" sz="1600" i="1" dirty="0">
                 <a:solidFill>
-                  <a:srgbClr val="333300"/>
+                  <a:srgbClr val="FF0000"/>
                 </a:solidFill>
                 <a:latin typeface="+mn-ea"/>
               </a:rPr>
@@ -15995,7 +16176,7 @@
             <a:r>
               <a:rPr lang="en-US" altLang="ko-KR" sz="1600" i="1" dirty="0">
                 <a:solidFill>
-                  <a:srgbClr val="333300"/>
+                  <a:srgbClr val="FF0000"/>
                 </a:solidFill>
                 <a:latin typeface="+mn-ea"/>
               </a:rPr>
@@ -16358,7 +16539,19 @@
               <a:rPr lang="en-US" altLang="ko-KR" dirty="0">
                 <a:latin typeface="+mn-ea"/>
               </a:rPr>
-              <a:t>   ☞ git remote add origin &lt;homework </a:t>
+              <a:t>   ☞ git remote add origin &lt;</a:t>
+            </a:r>
+            <a:r>
+              <a:rPr lang="en-US" altLang="ko-KR" dirty="0" err="1">
+                <a:latin typeface="+mn-ea"/>
+              </a:rPr>
+              <a:t>daniel-hw</a:t>
+            </a:r>
+            <a:r>
+              <a:rPr lang="en-US" altLang="ko-KR" dirty="0">
+                <a:latin typeface="+mn-ea"/>
+              </a:rPr>
+              <a:t> </a:t>
             </a:r>
             <a:r>
               <a:rPr lang="en-US" altLang="ko-KR" dirty="0" err="1">
@@ -16428,7 +16621,7 @@
               <a:rPr lang="en-US" altLang="ko-KR" dirty="0">
                 <a:latin typeface="+mn-ea"/>
               </a:rPr>
-              <a:t>School</a:t>
+              <a:t>school</a:t>
             </a:r>
             <a:r>
               <a:rPr lang="ko-KR" altLang="en-US" dirty="0">
@@ -16621,7 +16814,7 @@
         </p:nvSpPr>
         <p:spPr>
           <a:xfrm>
-            <a:off x="341787" y="1120544"/>
+            <a:off x="341787" y="1015037"/>
             <a:ext cx="8642350" cy="5092687"/>
           </a:xfrm>
           <a:prstGeom prst="rect">
@@ -16877,19 +17070,19 @@
               <a:rPr lang="en-US" altLang="ko-KR" dirty="0">
                 <a:latin typeface="+mn-ea"/>
               </a:rPr>
-              <a:t>   ☞ </a:t>
+              <a:t>   ☞ git remote add origin &lt;</a:t>
             </a:r>
             <a:r>
               <a:rPr lang="en-US" altLang="ko-KR" dirty="0" err="1">
                 <a:latin typeface="+mn-ea"/>
               </a:rPr>
-              <a:t>git</a:t>
+              <a:t>daniel-hw</a:t>
             </a:r>
             <a:r>
               <a:rPr lang="en-US" altLang="ko-KR" dirty="0">
                 <a:latin typeface="+mn-ea"/>
               </a:rPr>
-              <a:t> remote add origin &lt;homework </a:t>
+              <a:t> </a:t>
             </a:r>
             <a:r>
               <a:rPr lang="en-US" altLang="ko-KR" dirty="0" err="1">
@@ -17155,8 +17348,26 @@
           <a:p>
             <a:pPr marL="609600" lvl="1" indent="-342900">
               <a:buFont typeface="+mj-ea"/>
-              <a:buAutoNum type="circleNumDbPlain" startAt="4"/>
+              <a:buAutoNum type="circleNumDbPlain" startAt="2"/>
             </a:pPr>
+            <a:r>
+              <a:rPr lang="en-US" altLang="ko-KR" dirty="0">
+                <a:latin typeface="+mn-ea"/>
+              </a:rPr>
+              <a:t>home </a:t>
+            </a:r>
+            <a:r>
+              <a:rPr lang="ko-KR" altLang="en-US" dirty="0">
+                <a:latin typeface="+mn-ea"/>
+              </a:rPr>
+              <a:t>폴더에서 </a:t>
+            </a:r>
+            <a:r>
+              <a:rPr lang="en-US" altLang="ko-KR" dirty="0">
+                <a:latin typeface="+mn-ea"/>
+              </a:rPr>
+              <a:t>bash exit</a:t>
+            </a:r>
             <a:endParaRPr lang="en-US" altLang="ko-KR" sz="1100" dirty="0">
               <a:latin typeface="+mn-ea"/>
             </a:endParaRPr>
